--- a/Presentation/Presentation.pptx
+++ b/Presentation/Presentation.pptx
@@ -12780,15 +12780,27 @@
                   </a:schemeClr>
                 </a:solidFill>
               </a:rPr>
-              <a:t>Mariqn Ivanov - Designer</a:t>
+              <a:t>Mariyan Ivanov – Designer</a:t>
             </a:r>
-            <a:endParaRPr sz="3867" b="1" i="1" dirty="0">
-              <a:solidFill>
-                <a:schemeClr val="tx2">
-                  <a:lumMod val="75000"/>
-                </a:schemeClr>
-              </a:solidFill>
-            </a:endParaRPr>
+            <a:br>
+              <a:rPr lang="en" sz="3867" b="1" i="1" dirty="0">
+                <a:solidFill>
+                  <a:schemeClr val="tx2">
+                    <a:lumMod val="75000"/>
+                  </a:schemeClr>
+                </a:solidFill>
+              </a:rPr>
+            </a:br>
+            <a:r>
+              <a:rPr lang="en" sz="3867" b="1" i="1" dirty="0">
+                <a:solidFill>
+                  <a:schemeClr val="tx2">
+                    <a:lumMod val="75000"/>
+                  </a:schemeClr>
+                </a:solidFill>
+              </a:rPr>
+              <a:t>Stoyan Ivanov - Mentor</a:t>
+            </a:r>
           </a:p>
         </p:txBody>
       </p:sp>
